--- a/Всем добрый день!.pptx
+++ b/Всем добрый день!.pptx
@@ -8,8 +8,8 @@
     <p:sldId id="257" r:id="rId2"/>
     <p:sldId id="256" r:id="rId3"/>
     <p:sldId id="258" r:id="rId4"/>
-    <p:sldId id="259" r:id="rId5"/>
-    <p:sldId id="260" r:id="rId6"/>
+    <p:sldId id="260" r:id="rId5"/>
+    <p:sldId id="259" r:id="rId6"/>
     <p:sldId id="261" r:id="rId7"/>
     <p:sldId id="262" r:id="rId8"/>
     <p:sldId id="263" r:id="rId9"/>
@@ -119,6 +119,11 @@
       </a:defRPr>
     </a:lvl9pPr>
   </p:defaultTextStyle>
+  <p:extLst>
+    <p:ext uri="{EFAFB233-063F-42B5-8137-9DF3F51BA10A}">
+      <p15:sldGuideLst xmlns:p15="http://schemas.microsoft.com/office/powerpoint/2012/main"/>
+    </p:ext>
+  </p:extLst>
 </p:presentation>
 </file>
 
@@ -164,10 +169,9 @@
           </a:lstStyle>
           <a:p>
             <a:r>
-              <a:rPr lang="ru-RU" smtClean="0"/>
+              <a:rPr lang="ru-RU"/>
               <a:t>Образец заголовка</a:t>
             </a:r>
-            <a:endParaRPr lang="ru-RU"/>
           </a:p>
         </p:txBody>
       </p:sp>
@@ -229,10 +233,9 @@
           </a:lstStyle>
           <a:p>
             <a:r>
-              <a:rPr lang="ru-RU" smtClean="0"/>
+              <a:rPr lang="ru-RU"/>
               <a:t>Образец подзаголовка</a:t>
             </a:r>
-            <a:endParaRPr lang="ru-RU"/>
           </a:p>
         </p:txBody>
       </p:sp>
@@ -347,10 +350,9 @@
           <a:lstStyle/>
           <a:p>
             <a:r>
-              <a:rPr lang="ru-RU" smtClean="0"/>
+              <a:rPr lang="ru-RU"/>
               <a:t>Образец заголовка</a:t>
             </a:r>
-            <a:endParaRPr lang="ru-RU"/>
           </a:p>
         </p:txBody>
       </p:sp>
@@ -371,38 +373,37 @@
           <a:p>
             <a:pPr lvl="0"/>
             <a:r>
-              <a:rPr lang="ru-RU" smtClean="0"/>
+              <a:rPr lang="ru-RU"/>
               <a:t>Образец текста</a:t>
             </a:r>
           </a:p>
           <a:p>
             <a:pPr lvl="1"/>
             <a:r>
-              <a:rPr lang="ru-RU" smtClean="0"/>
+              <a:rPr lang="ru-RU"/>
               <a:t>Второй уровень</a:t>
             </a:r>
           </a:p>
           <a:p>
             <a:pPr lvl="2"/>
             <a:r>
-              <a:rPr lang="ru-RU" smtClean="0"/>
+              <a:rPr lang="ru-RU"/>
               <a:t>Третий уровень</a:t>
             </a:r>
           </a:p>
           <a:p>
             <a:pPr lvl="3"/>
             <a:r>
-              <a:rPr lang="ru-RU" smtClean="0"/>
+              <a:rPr lang="ru-RU"/>
               <a:t>Четвертый уровень</a:t>
             </a:r>
           </a:p>
           <a:p>
             <a:pPr lvl="4"/>
             <a:r>
-              <a:rPr lang="ru-RU" smtClean="0"/>
+              <a:rPr lang="ru-RU"/>
               <a:t>Пятый уровень</a:t>
             </a:r>
-            <a:endParaRPr lang="ru-RU"/>
           </a:p>
         </p:txBody>
       </p:sp>
@@ -522,10 +523,9 @@
           <a:lstStyle/>
           <a:p>
             <a:r>
-              <a:rPr lang="ru-RU" smtClean="0"/>
+              <a:rPr lang="ru-RU"/>
               <a:t>Образец заголовка</a:t>
             </a:r>
-            <a:endParaRPr lang="ru-RU"/>
           </a:p>
         </p:txBody>
       </p:sp>
@@ -551,38 +551,37 @@
           <a:p>
             <a:pPr lvl="0"/>
             <a:r>
-              <a:rPr lang="ru-RU" smtClean="0"/>
+              <a:rPr lang="ru-RU"/>
               <a:t>Образец текста</a:t>
             </a:r>
           </a:p>
           <a:p>
             <a:pPr lvl="1"/>
             <a:r>
-              <a:rPr lang="ru-RU" smtClean="0"/>
+              <a:rPr lang="ru-RU"/>
               <a:t>Второй уровень</a:t>
             </a:r>
           </a:p>
           <a:p>
             <a:pPr lvl="2"/>
             <a:r>
-              <a:rPr lang="ru-RU" smtClean="0"/>
+              <a:rPr lang="ru-RU"/>
               <a:t>Третий уровень</a:t>
             </a:r>
           </a:p>
           <a:p>
             <a:pPr lvl="3"/>
             <a:r>
-              <a:rPr lang="ru-RU" smtClean="0"/>
+              <a:rPr lang="ru-RU"/>
               <a:t>Четвертый уровень</a:t>
             </a:r>
           </a:p>
           <a:p>
             <a:pPr lvl="4"/>
             <a:r>
-              <a:rPr lang="ru-RU" smtClean="0"/>
+              <a:rPr lang="ru-RU"/>
               <a:t>Пятый уровень</a:t>
             </a:r>
-            <a:endParaRPr lang="ru-RU"/>
           </a:p>
         </p:txBody>
       </p:sp>
@@ -697,10 +696,9 @@
           <a:lstStyle/>
           <a:p>
             <a:r>
-              <a:rPr lang="ru-RU" smtClean="0"/>
+              <a:rPr lang="ru-RU"/>
               <a:t>Образец заголовка</a:t>
             </a:r>
-            <a:endParaRPr lang="ru-RU"/>
           </a:p>
         </p:txBody>
       </p:sp>
@@ -721,38 +719,37 @@
           <a:p>
             <a:pPr lvl="0"/>
             <a:r>
-              <a:rPr lang="ru-RU" smtClean="0"/>
+              <a:rPr lang="ru-RU"/>
               <a:t>Образец текста</a:t>
             </a:r>
           </a:p>
           <a:p>
             <a:pPr lvl="1"/>
             <a:r>
-              <a:rPr lang="ru-RU" smtClean="0"/>
+              <a:rPr lang="ru-RU"/>
               <a:t>Второй уровень</a:t>
             </a:r>
           </a:p>
           <a:p>
             <a:pPr lvl="2"/>
             <a:r>
-              <a:rPr lang="ru-RU" smtClean="0"/>
+              <a:rPr lang="ru-RU"/>
               <a:t>Третий уровень</a:t>
             </a:r>
           </a:p>
           <a:p>
             <a:pPr lvl="3"/>
             <a:r>
-              <a:rPr lang="ru-RU" smtClean="0"/>
+              <a:rPr lang="ru-RU"/>
               <a:t>Четвертый уровень</a:t>
             </a:r>
           </a:p>
           <a:p>
             <a:pPr lvl="4"/>
             <a:r>
-              <a:rPr lang="ru-RU" smtClean="0"/>
+              <a:rPr lang="ru-RU"/>
               <a:t>Пятый уровень</a:t>
             </a:r>
-            <a:endParaRPr lang="ru-RU"/>
           </a:p>
         </p:txBody>
       </p:sp>
@@ -876,10 +873,9 @@
           </a:lstStyle>
           <a:p>
             <a:r>
-              <a:rPr lang="ru-RU" smtClean="0"/>
+              <a:rPr lang="ru-RU"/>
               <a:t>Образец заголовка</a:t>
             </a:r>
-            <a:endParaRPr lang="ru-RU"/>
           </a:p>
         </p:txBody>
       </p:sp>
@@ -996,7 +992,7 @@
           <a:p>
             <a:pPr lvl="0"/>
             <a:r>
-              <a:rPr lang="ru-RU" smtClean="0"/>
+              <a:rPr lang="ru-RU"/>
               <a:t>Образец текста</a:t>
             </a:r>
           </a:p>
@@ -1113,10 +1109,9 @@
           <a:lstStyle/>
           <a:p>
             <a:r>
-              <a:rPr lang="ru-RU" smtClean="0"/>
+              <a:rPr lang="ru-RU"/>
               <a:t>Образец заголовка</a:t>
             </a:r>
-            <a:endParaRPr lang="ru-RU"/>
           </a:p>
         </p:txBody>
       </p:sp>
@@ -1142,38 +1137,37 @@
           <a:p>
             <a:pPr lvl="0"/>
             <a:r>
-              <a:rPr lang="ru-RU" smtClean="0"/>
+              <a:rPr lang="ru-RU"/>
               <a:t>Образец текста</a:t>
             </a:r>
           </a:p>
           <a:p>
             <a:pPr lvl="1"/>
             <a:r>
-              <a:rPr lang="ru-RU" smtClean="0"/>
+              <a:rPr lang="ru-RU"/>
               <a:t>Второй уровень</a:t>
             </a:r>
           </a:p>
           <a:p>
             <a:pPr lvl="2"/>
             <a:r>
-              <a:rPr lang="ru-RU" smtClean="0"/>
+              <a:rPr lang="ru-RU"/>
               <a:t>Третий уровень</a:t>
             </a:r>
           </a:p>
           <a:p>
             <a:pPr lvl="3"/>
             <a:r>
-              <a:rPr lang="ru-RU" smtClean="0"/>
+              <a:rPr lang="ru-RU"/>
               <a:t>Четвертый уровень</a:t>
             </a:r>
           </a:p>
           <a:p>
             <a:pPr lvl="4"/>
             <a:r>
-              <a:rPr lang="ru-RU" smtClean="0"/>
+              <a:rPr lang="ru-RU"/>
               <a:t>Пятый уровень</a:t>
             </a:r>
-            <a:endParaRPr lang="ru-RU"/>
           </a:p>
         </p:txBody>
       </p:sp>
@@ -1199,38 +1193,37 @@
           <a:p>
             <a:pPr lvl="0"/>
             <a:r>
-              <a:rPr lang="ru-RU" smtClean="0"/>
+              <a:rPr lang="ru-RU"/>
               <a:t>Образец текста</a:t>
             </a:r>
           </a:p>
           <a:p>
             <a:pPr lvl="1"/>
             <a:r>
-              <a:rPr lang="ru-RU" smtClean="0"/>
+              <a:rPr lang="ru-RU"/>
               <a:t>Второй уровень</a:t>
             </a:r>
           </a:p>
           <a:p>
             <a:pPr lvl="2"/>
             <a:r>
-              <a:rPr lang="ru-RU" smtClean="0"/>
+              <a:rPr lang="ru-RU"/>
               <a:t>Третий уровень</a:t>
             </a:r>
           </a:p>
           <a:p>
             <a:pPr lvl="3"/>
             <a:r>
-              <a:rPr lang="ru-RU" smtClean="0"/>
+              <a:rPr lang="ru-RU"/>
               <a:t>Четвертый уровень</a:t>
             </a:r>
           </a:p>
           <a:p>
             <a:pPr lvl="4"/>
             <a:r>
-              <a:rPr lang="ru-RU" smtClean="0"/>
+              <a:rPr lang="ru-RU"/>
               <a:t>Пятый уровень</a:t>
             </a:r>
-            <a:endParaRPr lang="ru-RU"/>
           </a:p>
         </p:txBody>
       </p:sp>
@@ -1350,10 +1343,9 @@
           <a:lstStyle/>
           <a:p>
             <a:r>
-              <a:rPr lang="ru-RU" smtClean="0"/>
+              <a:rPr lang="ru-RU"/>
               <a:t>Образец заголовка</a:t>
             </a:r>
-            <a:endParaRPr lang="ru-RU"/>
           </a:p>
         </p:txBody>
       </p:sp>
@@ -1416,7 +1408,7 @@
           <a:p>
             <a:pPr lvl="0"/>
             <a:r>
-              <a:rPr lang="ru-RU" smtClean="0"/>
+              <a:rPr lang="ru-RU"/>
               <a:t>Образец текста</a:t>
             </a:r>
           </a:p>
@@ -1444,38 +1436,37 @@
           <a:p>
             <a:pPr lvl="0"/>
             <a:r>
-              <a:rPr lang="ru-RU" smtClean="0"/>
+              <a:rPr lang="ru-RU"/>
               <a:t>Образец текста</a:t>
             </a:r>
           </a:p>
           <a:p>
             <a:pPr lvl="1"/>
             <a:r>
-              <a:rPr lang="ru-RU" smtClean="0"/>
+              <a:rPr lang="ru-RU"/>
               <a:t>Второй уровень</a:t>
             </a:r>
           </a:p>
           <a:p>
             <a:pPr lvl="2"/>
             <a:r>
-              <a:rPr lang="ru-RU" smtClean="0"/>
+              <a:rPr lang="ru-RU"/>
               <a:t>Третий уровень</a:t>
             </a:r>
           </a:p>
           <a:p>
             <a:pPr lvl="3"/>
             <a:r>
-              <a:rPr lang="ru-RU" smtClean="0"/>
+              <a:rPr lang="ru-RU"/>
               <a:t>Четвертый уровень</a:t>
             </a:r>
           </a:p>
           <a:p>
             <a:pPr lvl="4"/>
             <a:r>
-              <a:rPr lang="ru-RU" smtClean="0"/>
+              <a:rPr lang="ru-RU"/>
               <a:t>Пятый уровень</a:t>
             </a:r>
-            <a:endParaRPr lang="ru-RU"/>
           </a:p>
         </p:txBody>
       </p:sp>
@@ -1538,7 +1529,7 @@
           <a:p>
             <a:pPr lvl="0"/>
             <a:r>
-              <a:rPr lang="ru-RU" smtClean="0"/>
+              <a:rPr lang="ru-RU"/>
               <a:t>Образец текста</a:t>
             </a:r>
           </a:p>
@@ -1566,38 +1557,37 @@
           <a:p>
             <a:pPr lvl="0"/>
             <a:r>
-              <a:rPr lang="ru-RU" smtClean="0"/>
+              <a:rPr lang="ru-RU"/>
               <a:t>Образец текста</a:t>
             </a:r>
           </a:p>
           <a:p>
             <a:pPr lvl="1"/>
             <a:r>
-              <a:rPr lang="ru-RU" smtClean="0"/>
+              <a:rPr lang="ru-RU"/>
               <a:t>Второй уровень</a:t>
             </a:r>
           </a:p>
           <a:p>
             <a:pPr lvl="2"/>
             <a:r>
-              <a:rPr lang="ru-RU" smtClean="0"/>
+              <a:rPr lang="ru-RU"/>
               <a:t>Третий уровень</a:t>
             </a:r>
           </a:p>
           <a:p>
             <a:pPr lvl="3"/>
             <a:r>
-              <a:rPr lang="ru-RU" smtClean="0"/>
+              <a:rPr lang="ru-RU"/>
               <a:t>Четвертый уровень</a:t>
             </a:r>
           </a:p>
           <a:p>
             <a:pPr lvl="4"/>
             <a:r>
-              <a:rPr lang="ru-RU" smtClean="0"/>
+              <a:rPr lang="ru-RU"/>
               <a:t>Пятый уровень</a:t>
             </a:r>
-            <a:endParaRPr lang="ru-RU"/>
           </a:p>
         </p:txBody>
       </p:sp>
@@ -1712,10 +1702,9 @@
           <a:lstStyle/>
           <a:p>
             <a:r>
-              <a:rPr lang="ru-RU" smtClean="0"/>
+              <a:rPr lang="ru-RU"/>
               <a:t>Образец заголовка</a:t>
             </a:r>
-            <a:endParaRPr lang="ru-RU"/>
           </a:p>
         </p:txBody>
       </p:sp>
@@ -1934,10 +1923,9 @@
           </a:lstStyle>
           <a:p>
             <a:r>
-              <a:rPr lang="ru-RU" smtClean="0"/>
+              <a:rPr lang="ru-RU"/>
               <a:t>Образец заголовка</a:t>
             </a:r>
-            <a:endParaRPr lang="ru-RU"/>
           </a:p>
         </p:txBody>
       </p:sp>
@@ -1991,38 +1979,37 @@
           <a:p>
             <a:pPr lvl="0"/>
             <a:r>
-              <a:rPr lang="ru-RU" smtClean="0"/>
+              <a:rPr lang="ru-RU"/>
               <a:t>Образец текста</a:t>
             </a:r>
           </a:p>
           <a:p>
             <a:pPr lvl="1"/>
             <a:r>
-              <a:rPr lang="ru-RU" smtClean="0"/>
+              <a:rPr lang="ru-RU"/>
               <a:t>Второй уровень</a:t>
             </a:r>
           </a:p>
           <a:p>
             <a:pPr lvl="2"/>
             <a:r>
-              <a:rPr lang="ru-RU" smtClean="0"/>
+              <a:rPr lang="ru-RU"/>
               <a:t>Третий уровень</a:t>
             </a:r>
           </a:p>
           <a:p>
             <a:pPr lvl="3"/>
             <a:r>
-              <a:rPr lang="ru-RU" smtClean="0"/>
+              <a:rPr lang="ru-RU"/>
               <a:t>Четвертый уровень</a:t>
             </a:r>
           </a:p>
           <a:p>
             <a:pPr lvl="4"/>
             <a:r>
-              <a:rPr lang="ru-RU" smtClean="0"/>
+              <a:rPr lang="ru-RU"/>
               <a:t>Пятый уровень</a:t>
             </a:r>
-            <a:endParaRPr lang="ru-RU"/>
           </a:p>
         </p:txBody>
       </p:sp>
@@ -2085,7 +2072,7 @@
           <a:p>
             <a:pPr lvl="0"/>
             <a:r>
-              <a:rPr lang="ru-RU" smtClean="0"/>
+              <a:rPr lang="ru-RU"/>
               <a:t>Образец текста</a:t>
             </a:r>
           </a:p>
@@ -2211,10 +2198,9 @@
           </a:lstStyle>
           <a:p>
             <a:r>
-              <a:rPr lang="ru-RU" smtClean="0"/>
+              <a:rPr lang="ru-RU"/>
               <a:t>Образец заголовка</a:t>
             </a:r>
-            <a:endParaRPr lang="ru-RU"/>
           </a:p>
         </p:txBody>
       </p:sp>
@@ -2338,7 +2324,7 @@
           <a:p>
             <a:pPr lvl="0"/>
             <a:r>
-              <a:rPr lang="ru-RU" smtClean="0"/>
+              <a:rPr lang="ru-RU"/>
               <a:t>Образец текста</a:t>
             </a:r>
           </a:p>
@@ -2470,10 +2456,9 @@
           <a:lstStyle/>
           <a:p>
             <a:r>
-              <a:rPr lang="ru-RU" smtClean="0"/>
+              <a:rPr lang="ru-RU"/>
               <a:t>Образец заголовка</a:t>
             </a:r>
-            <a:endParaRPr lang="ru-RU"/>
           </a:p>
         </p:txBody>
       </p:sp>
@@ -2504,38 +2489,37 @@
           <a:p>
             <a:pPr lvl="0"/>
             <a:r>
-              <a:rPr lang="ru-RU" smtClean="0"/>
+              <a:rPr lang="ru-RU"/>
               <a:t>Образец текста</a:t>
             </a:r>
           </a:p>
           <a:p>
             <a:pPr lvl="1"/>
             <a:r>
-              <a:rPr lang="ru-RU" smtClean="0"/>
+              <a:rPr lang="ru-RU"/>
               <a:t>Второй уровень</a:t>
             </a:r>
           </a:p>
           <a:p>
             <a:pPr lvl="2"/>
             <a:r>
-              <a:rPr lang="ru-RU" smtClean="0"/>
+              <a:rPr lang="ru-RU"/>
               <a:t>Третий уровень</a:t>
             </a:r>
           </a:p>
           <a:p>
             <a:pPr lvl="3"/>
             <a:r>
-              <a:rPr lang="ru-RU" smtClean="0"/>
+              <a:rPr lang="ru-RU"/>
               <a:t>Четвертый уровень</a:t>
             </a:r>
           </a:p>
           <a:p>
             <a:pPr lvl="4"/>
             <a:r>
-              <a:rPr lang="ru-RU" smtClean="0"/>
+              <a:rPr lang="ru-RU"/>
               <a:t>Пятый уровень</a:t>
             </a:r>
-            <a:endParaRPr lang="ru-RU"/>
           </a:p>
         </p:txBody>
       </p:sp>
@@ -3003,14 +2987,11 @@
           <a:p>
             <a:pPr algn="ctr"/>
             <a:r>
-              <a:rPr lang="ru-RU" sz="6000" b="1" dirty="0" smtClean="0">
+              <a:rPr lang="ru-RU" sz="6000" b="1" dirty="0">
                 <a:latin typeface="+mn-lt"/>
               </a:rPr>
               <a:t>Всем добрый день!</a:t>
             </a:r>
-            <a:endParaRPr lang="ru-RU" sz="6000" b="1" dirty="0">
-              <a:latin typeface="+mn-lt"/>
-            </a:endParaRPr>
           </a:p>
         </p:txBody>
       </p:sp>
@@ -3038,11 +3019,11 @@
               <a:buNone/>
             </a:pPr>
             <a:r>
-              <a:rPr lang="ru-RU" dirty="0" smtClean="0"/>
+              <a:rPr lang="ru-RU" dirty="0"/>
               <a:t>Презентация команды: 30Гб </a:t>
             </a:r>
             <a:r>
-              <a:rPr lang="en-US" dirty="0" smtClean="0"/>
+              <a:rPr lang="en-US" dirty="0"/>
               <a:t>corp.</a:t>
             </a:r>
             <a:endParaRPr lang="ru-RU" dirty="0"/>
@@ -3089,13 +3070,6 @@
   <p:clrMapOvr>
     <a:masterClrMapping/>
   </p:clrMapOvr>
-  <p:timing>
-    <p:tnLst>
-      <p:par>
-        <p:cTn id="1" dur="indefinite" restart="never" nodeType="tmRoot"/>
-      </p:par>
-    </p:tnLst>
-  </p:timing>
 </p:sld>
 </file>
 
@@ -3174,12 +3148,6 @@
                 <a:latin typeface="+mn-lt"/>
               </a:rPr>
               <a:t>?</a:t>
-            </a:r>
-            <a:r>
-              <a:rPr lang="ru-RU" sz="5400" dirty="0">
-                <a:latin typeface="+mn-lt"/>
-              </a:rPr>
-              <a:t/>
             </a:r>
             <a:br>
               <a:rPr lang="ru-RU" sz="5400" dirty="0">
@@ -3398,13 +3366,6 @@
   <p:clrMapOvr>
     <a:masterClrMapping/>
   </p:clrMapOvr>
-  <p:timing>
-    <p:tnLst>
-      <p:par>
-        <p:cTn id="1" dur="indefinite" restart="never" nodeType="tmRoot"/>
-      </p:par>
-    </p:tnLst>
-  </p:timing>
 </p:sld>
 </file>
 
@@ -3472,12 +3433,6 @@
                 <a:latin typeface="+mn-lt"/>
               </a:rPr>
               <a:t>вставки</a:t>
-            </a:r>
-            <a:r>
-              <a:rPr lang="ru-RU" sz="4800" b="1" dirty="0">
-                <a:latin typeface="+mn-lt"/>
-              </a:rPr>
-              <a:t/>
             </a:r>
             <a:br>
               <a:rPr lang="ru-RU" sz="4800" b="1" dirty="0">
@@ -3666,13 +3621,6 @@
   <p:clrMapOvr>
     <a:masterClrMapping/>
   </p:clrMapOvr>
-  <p:timing>
-    <p:tnLst>
-      <p:par>
-        <p:cTn id="1" dur="indefinite" restart="never" nodeType="tmRoot"/>
-      </p:par>
-    </p:tnLst>
-  </p:timing>
 </p:sld>
 </file>
 
@@ -3712,14 +3660,11 @@
           <a:p>
             <a:pPr algn="ctr"/>
             <a:r>
-              <a:rPr lang="ru-RU" sz="5400" b="1" dirty="0" smtClean="0">
+              <a:rPr lang="ru-RU" sz="5400" b="1" dirty="0">
                 <a:latin typeface="+mn-lt"/>
               </a:rPr>
               <a:t>Как меняется высота дерева при вставке:</a:t>
             </a:r>
-            <a:endParaRPr lang="ru-RU" sz="5400" b="1" dirty="0">
-              <a:latin typeface="+mn-lt"/>
-            </a:endParaRPr>
           </a:p>
         </p:txBody>
       </p:sp>
@@ -3771,30 +3716,9 @@
               <a:t>Y — </a:t>
             </a:r>
             <a:r>
-              <a:rPr lang="en-US" sz="4800" dirty="0" err="1"/>
-              <a:t>использование</a:t>
-            </a:r>
-            <a:r>
-              <a:rPr lang="en-US" sz="4800" dirty="0"/>
-              <a:t> </a:t>
-            </a:r>
-            <a:r>
-              <a:rPr lang="en-US" sz="4800" dirty="0" err="1"/>
-              <a:t>памяти</a:t>
-            </a:r>
-            <a:r>
-              <a:rPr lang="en-US" sz="4800" dirty="0"/>
-              <a:t> (</a:t>
-            </a:r>
-            <a:r>
-              <a:rPr lang="en-US" sz="4800" dirty="0" err="1"/>
-              <a:t>байты</a:t>
-            </a:r>
-            <a:r>
-              <a:rPr lang="en-US" sz="4800" dirty="0"/>
-              <a:t>)</a:t>
-            </a:r>
-            <a:endParaRPr lang="ru-RU" sz="4800" dirty="0"/>
+              <a:rPr lang="ru-RU" sz="4800" dirty="0"/>
+              <a:t>высота дерева</a:t>
+            </a:r>
           </a:p>
           <a:p>
             <a:pPr lvl="0"/>
@@ -3857,13 +3781,6 @@
   <p:clrMapOvr>
     <a:masterClrMapping/>
   </p:clrMapOvr>
-  <p:timing>
-    <p:tnLst>
-      <p:par>
-        <p:cTn id="1" dur="indefinite" restart="never" nodeType="tmRoot"/>
-      </p:par>
-    </p:tnLst>
-  </p:timing>
 </p:sld>
 </file>
 
@@ -3968,12 +3885,6 @@
               </a:rPr>
               <a:t>элементов</a:t>
             </a:r>
-            <a:r>
-              <a:rPr lang="ru-RU" dirty="0">
-                <a:latin typeface="+mn-lt"/>
-              </a:rPr>
-              <a:t/>
-            </a:r>
             <a:br>
               <a:rPr lang="ru-RU" dirty="0">
                 <a:latin typeface="+mn-lt"/>
@@ -4061,20 +3972,8 @@
           <a:p>
             <a:pPr lvl="0"/>
             <a:r>
-              <a:rPr lang="en-US" sz="4800" dirty="0" smtClean="0"/>
-              <a:t>AVL</a:t>
-            </a:r>
-            <a:r>
               <a:rPr lang="en-US" sz="4800" dirty="0"/>
-              <a:t> </a:t>
-            </a:r>
-            <a:r>
-              <a:rPr lang="en-US" sz="4800" dirty="0" smtClean="0"/>
-              <a:t> </a:t>
-            </a:r>
-            <a:r>
-              <a:rPr lang="en-US" sz="4800" dirty="0"/>
-              <a:t>и </a:t>
+              <a:t>AVL  и </a:t>
             </a:r>
             <a:r>
               <a:rPr lang="en-US" sz="4800" dirty="0" err="1"/>
@@ -4131,13 +4030,6 @@
   <p:clrMapOvr>
     <a:masterClrMapping/>
   </p:clrMapOvr>
-  <p:timing>
-    <p:tnLst>
-      <p:par>
-        <p:cTn id="1" dur="indefinite" restart="never" nodeType="tmRoot"/>
-      </p:par>
-    </p:tnLst>
-  </p:timing>
 </p:sld>
 </file>
 
@@ -4204,12 +4096,6 @@
                 <a:latin typeface="+mn-lt"/>
               </a:rPr>
               <a:t>:</a:t>
-            </a:r>
-            <a:r>
-              <a:rPr lang="ru-RU" sz="5400" dirty="0">
-                <a:latin typeface="+mn-lt"/>
-              </a:rPr>
-              <a:t/>
             </a:r>
             <a:br>
               <a:rPr lang="ru-RU" sz="5400" dirty="0">
@@ -4464,13 +4350,6 @@
   <p:clrMapOvr>
     <a:masterClrMapping/>
   </p:clrMapOvr>
-  <p:timing>
-    <p:tnLst>
-      <p:par>
-        <p:cTn id="1" dur="indefinite" restart="never" nodeType="tmRoot"/>
-      </p:par>
-    </p:tnLst>
-  </p:timing>
 </p:sld>
 </file>
 
@@ -4510,14 +4389,11 @@
           <a:p>
             <a:pPr algn="ctr"/>
             <a:r>
-              <a:rPr lang="ru-RU" sz="5400" b="1" dirty="0" smtClean="0">
+              <a:rPr lang="ru-RU" sz="5400" b="1" dirty="0">
                 <a:latin typeface="+mn-lt"/>
               </a:rPr>
               <a:t>Где это может быть полезным: </a:t>
             </a:r>
-            <a:endParaRPr lang="ru-RU" sz="5400" b="1" dirty="0">
-              <a:latin typeface="+mn-lt"/>
-            </a:endParaRPr>
           </a:p>
         </p:txBody>
       </p:sp>
@@ -4699,13 +4575,6 @@
   <p:clrMapOvr>
     <a:masterClrMapping/>
   </p:clrMapOvr>
-  <p:timing>
-    <p:tnLst>
-      <p:par>
-        <p:cTn id="1" dur="indefinite" restart="never" nodeType="tmRoot"/>
-      </p:par>
-    </p:tnLst>
-  </p:timing>
 </p:sld>
 </file>
 
@@ -4745,14 +4614,11 @@
           <a:p>
             <a:pPr algn="ctr"/>
             <a:r>
-              <a:rPr lang="ru-RU" sz="9600" dirty="0" smtClean="0">
+              <a:rPr lang="ru-RU" sz="9600" dirty="0">
                 <a:latin typeface="+mn-lt"/>
               </a:rPr>
               <a:t>Конец!</a:t>
             </a:r>
-            <a:endParaRPr lang="ru-RU" sz="9600" dirty="0">
-              <a:latin typeface="+mn-lt"/>
-            </a:endParaRPr>
           </a:p>
         </p:txBody>
       </p:sp>
@@ -4782,7 +4648,7 @@
               <a:buNone/>
             </a:pPr>
             <a:r>
-              <a:rPr lang="ru-RU" sz="3600" dirty="0" smtClean="0"/>
+              <a:rPr lang="ru-RU" sz="3600" dirty="0"/>
               <a:t>Спасибо за внимание!</a:t>
             </a:r>
           </a:p>
@@ -4791,15 +4657,15 @@
               <a:buNone/>
             </a:pPr>
             <a:r>
-              <a:rPr lang="ru-RU" sz="3600" dirty="0" smtClean="0"/>
+              <a:rPr lang="ru-RU" sz="3600" dirty="0"/>
               <a:t>Исходные материалы доступны в </a:t>
             </a:r>
             <a:r>
-              <a:rPr lang="en-US" sz="3600" dirty="0" err="1" smtClean="0"/>
+              <a:rPr lang="en-US" sz="3600" dirty="0" err="1"/>
               <a:t>github</a:t>
             </a:r>
             <a:r>
-              <a:rPr lang="en-US" sz="3600" dirty="0" smtClean="0"/>
+              <a:rPr lang="en-US" sz="3600" dirty="0"/>
               <a:t>:</a:t>
             </a:r>
           </a:p>
@@ -4808,23 +4674,23 @@
               <a:buNone/>
             </a:pPr>
             <a:r>
-              <a:rPr lang="en-US" sz="3600" dirty="0" smtClean="0">
+              <a:rPr lang="en-US" sz="3600" dirty="0">
                 <a:hlinkClick r:id="rId2"/>
               </a:rPr>
               <a:t>https://github.com/KiriTrip/summer/tree/main</a:t>
             </a:r>
-            <a:endParaRPr lang="en-US" sz="3600" dirty="0" smtClean="0"/>
+            <a:endParaRPr lang="en-US" sz="3600" dirty="0"/>
           </a:p>
           <a:p>
             <a:pPr marL="0" indent="0">
               <a:buNone/>
             </a:pPr>
             <a:r>
-              <a:rPr lang="ru-RU" sz="3600" dirty="0" smtClean="0"/>
+              <a:rPr lang="ru-RU" sz="3600" dirty="0"/>
               <a:t>Бота можно опробовать в </a:t>
             </a:r>
             <a:r>
-              <a:rPr lang="en-US" sz="3600" dirty="0" smtClean="0"/>
+              <a:rPr lang="en-US" sz="3600" dirty="0"/>
               <a:t>Telegram</a:t>
             </a:r>
             <a:endParaRPr lang="ru-RU" sz="3600" dirty="0"/>
@@ -4871,13 +4737,6 @@
   <p:clrMapOvr>
     <a:masterClrMapping/>
   </p:clrMapOvr>
-  <p:timing>
-    <p:tnLst>
-      <p:par>
-        <p:cTn id="1" dur="indefinite" restart="never" nodeType="tmRoot"/>
-      </p:par>
-    </p:tnLst>
-  </p:timing>
 </p:sld>
 </file>
 
@@ -4929,38 +4788,35 @@
           <a:lstStyle/>
           <a:p>
             <a:r>
-              <a:rPr lang="ru-RU" b="1" dirty="0" smtClean="0">
+              <a:rPr lang="ru-RU" b="1" dirty="0">
                 <a:latin typeface="+mn-lt"/>
               </a:rPr>
               <a:t>Сравнение деревьев поиска на 10</a:t>
             </a:r>
             <a:r>
-              <a:rPr lang="en-US" b="1" dirty="0" smtClean="0">
+              <a:rPr lang="en-US" b="1" dirty="0">
                 <a:latin typeface="+mn-lt"/>
               </a:rPr>
               <a:t>^7</a:t>
             </a:r>
             <a:r>
-              <a:rPr lang="ru-RU" b="1" dirty="0" smtClean="0">
+              <a:rPr lang="ru-RU" b="1" dirty="0">
                 <a:latin typeface="+mn-lt"/>
               </a:rPr>
               <a:t> элементов с помощью </a:t>
             </a:r>
             <a:r>
-              <a:rPr lang="en-US" b="1" dirty="0" smtClean="0">
+              <a:rPr lang="en-US" b="1" dirty="0">
                 <a:latin typeface="+mn-lt"/>
               </a:rPr>
               <a:t>Telegram-</a:t>
             </a:r>
             <a:r>
-              <a:rPr lang="ru-RU" b="1" dirty="0" smtClean="0">
+              <a:rPr lang="ru-RU" b="1" dirty="0">
                 <a:latin typeface="+mn-lt"/>
               </a:rPr>
               <a:t>бота</a:t>
             </a:r>
-            <a:endParaRPr lang="ru-RU" b="1" dirty="0">
-              <a:latin typeface="+mn-lt"/>
-            </a:endParaRPr>
           </a:p>
         </p:txBody>
       </p:sp>
@@ -4991,23 +4847,23 @@
               <a:buChar char="•"/>
             </a:pPr>
             <a:r>
-              <a:rPr lang="ru-RU" sz="3200" dirty="0" smtClean="0"/>
+              <a:rPr lang="ru-RU" sz="3200" dirty="0"/>
               <a:t>Авторы: </a:t>
             </a:r>
             <a:r>
-              <a:rPr lang="ru-RU" sz="3200" dirty="0" err="1" smtClean="0"/>
+              <a:rPr lang="ru-RU" sz="3200" dirty="0" err="1"/>
               <a:t>Илюков</a:t>
             </a:r>
             <a:r>
-              <a:rPr lang="ru-RU" sz="3200" dirty="0" smtClean="0"/>
+              <a:rPr lang="ru-RU" sz="3200" dirty="0"/>
               <a:t> Егор и </a:t>
             </a:r>
             <a:r>
-              <a:rPr lang="ru-RU" sz="3200" dirty="0" err="1" smtClean="0"/>
+              <a:rPr lang="ru-RU" sz="3200" dirty="0" err="1"/>
               <a:t>Шашков</a:t>
             </a:r>
             <a:r>
-              <a:rPr lang="ru-RU" sz="3200" dirty="0" smtClean="0"/>
+              <a:rPr lang="ru-RU" sz="3200" dirty="0"/>
               <a:t> Валерий</a:t>
             </a:r>
           </a:p>
@@ -5017,34 +4873,34 @@
               <a:buChar char="•"/>
             </a:pPr>
             <a:r>
-              <a:rPr lang="ru-RU" sz="3200" dirty="0" smtClean="0"/>
+              <a:rPr lang="ru-RU" sz="3200" dirty="0"/>
               <a:t>Используемые структуры: </a:t>
             </a:r>
             <a:r>
-              <a:rPr lang="en-US" sz="3200" dirty="0" err="1" smtClean="0"/>
+              <a:rPr lang="en-US" sz="3200" dirty="0" err="1"/>
               <a:t>Avl</a:t>
             </a:r>
             <a:r>
-              <a:rPr lang="en-US" sz="3200" dirty="0" smtClean="0"/>
+              <a:rPr lang="en-US" sz="3200" dirty="0"/>
               <a:t>, 2-3 </a:t>
             </a:r>
             <a:r>
-              <a:rPr lang="ru-RU" sz="3200" dirty="0" smtClean="0"/>
+              <a:rPr lang="ru-RU" sz="3200" dirty="0"/>
               <a:t>дерево</a:t>
             </a:r>
             <a:r>
-              <a:rPr lang="en-US" sz="3200" dirty="0" smtClean="0"/>
+              <a:rPr lang="en-US" sz="3200" dirty="0"/>
               <a:t>, </a:t>
             </a:r>
             <a:r>
-              <a:rPr lang="en-US" sz="3200" dirty="0" err="1" smtClean="0"/>
+              <a:rPr lang="en-US" sz="3200" dirty="0" err="1"/>
               <a:t>std</a:t>
             </a:r>
             <a:r>
-              <a:rPr lang="en-US" sz="3200" dirty="0" smtClean="0"/>
+              <a:rPr lang="en-US" sz="3200" dirty="0"/>
               <a:t>::set</a:t>
             </a:r>
-            <a:endParaRPr lang="ru-RU" sz="3200" dirty="0" smtClean="0"/>
+            <a:endParaRPr lang="ru-RU" sz="3200" dirty="0"/>
           </a:p>
           <a:p>
             <a:pPr marL="342900" indent="-342900" algn="l">
@@ -5052,14 +4908,14 @@
               <a:buChar char="•"/>
             </a:pPr>
             <a:r>
-              <a:rPr lang="ru-RU" sz="3200" dirty="0" smtClean="0"/>
+              <a:rPr lang="ru-RU" sz="3200" dirty="0"/>
               <a:t>Языки программирования: </a:t>
             </a:r>
             <a:r>
-              <a:rPr lang="en-US" sz="3200" dirty="0" smtClean="0"/>
+              <a:rPr lang="en-US" sz="3200" dirty="0"/>
               <a:t>C++, Python</a:t>
             </a:r>
-            <a:endParaRPr lang="ru-RU" sz="3200" dirty="0" smtClean="0"/>
+            <a:endParaRPr lang="ru-RU" sz="3200" dirty="0"/>
           </a:p>
           <a:p>
             <a:pPr marL="342900" indent="-342900" algn="l">
@@ -5067,10 +4923,9 @@
               <a:buChar char="•"/>
             </a:pPr>
             <a:r>
-              <a:rPr lang="ru-RU" sz="3200" dirty="0" smtClean="0"/>
+              <a:rPr lang="ru-RU" sz="3200" dirty="0"/>
               <a:t>Год: 2025</a:t>
             </a:r>
-            <a:endParaRPr lang="ru-RU" sz="3200" dirty="0"/>
           </a:p>
         </p:txBody>
       </p:sp>
@@ -5114,21 +4969,6 @@
   <p:clrMapOvr>
     <a:masterClrMapping/>
   </p:clrMapOvr>
-  <mc:AlternateContent xmlns:mc="http://schemas.openxmlformats.org/markup-compatibility/2006">
-    <mc:Choice xmlns:p14="http://schemas.microsoft.com/office/powerpoint/2010/main" Requires="p14">
-      <p:transition p14:dur="0"/>
-    </mc:Choice>
-    <mc:Fallback>
-      <p:transition/>
-    </mc:Fallback>
-  </mc:AlternateContent>
-  <p:timing>
-    <p:tnLst>
-      <p:par>
-        <p:cTn id="1" dur="indefinite" restart="never" nodeType="tmRoot"/>
-      </p:par>
-    </p:tnLst>
-  </p:timing>
 </p:sld>
 </file>
 
@@ -5166,14 +5006,11 @@
           <a:p>
             <a:pPr algn="ctr"/>
             <a:r>
-              <a:rPr lang="ru-RU" b="1" dirty="0" smtClean="0">
+              <a:rPr lang="ru-RU" b="1" dirty="0">
                 <a:latin typeface="+mn-lt"/>
               </a:rPr>
               <a:t>Что такое деревья поиска и зачем они нужны?</a:t>
             </a:r>
-            <a:endParaRPr lang="ru-RU" b="1" dirty="0">
-              <a:latin typeface="+mn-lt"/>
-            </a:endParaRPr>
           </a:p>
         </p:txBody>
       </p:sp>
@@ -5483,13 +5320,6 @@
   <p:clrMapOvr>
     <a:masterClrMapping/>
   </p:clrMapOvr>
-  <p:timing>
-    <p:tnLst>
-      <p:par>
-        <p:cTn id="1" dur="indefinite" restart="never" nodeType="tmRoot"/>
-      </p:par>
-    </p:tnLst>
-  </p:timing>
 </p:sld>
 </file>
 
@@ -5520,383 +5350,6 @@
             <p:ph type="title"/>
           </p:nvPr>
         </p:nvSpPr>
-        <p:spPr/>
-        <p:txBody>
-          <a:bodyPr/>
-          <a:lstStyle/>
-          <a:p>
-            <a:pPr algn="ctr"/>
-            <a:r>
-              <a:rPr lang="ru-RU" b="1" dirty="0" smtClean="0">
-                <a:latin typeface="+mn-lt"/>
-              </a:rPr>
-              <a:t>Почему мы решили сделать </a:t>
-            </a:r>
-            <a:r>
-              <a:rPr lang="en-US" b="1" dirty="0" smtClean="0">
-                <a:latin typeface="+mn-lt"/>
-              </a:rPr>
-              <a:t>Telegram </a:t>
-            </a:r>
-            <a:r>
-              <a:rPr lang="ru-RU" b="1" dirty="0" smtClean="0">
-                <a:latin typeface="+mn-lt"/>
-              </a:rPr>
-              <a:t>бота:</a:t>
-            </a:r>
-            <a:endParaRPr lang="ru-RU" b="1" dirty="0">
-              <a:latin typeface="+mn-lt"/>
-            </a:endParaRPr>
-          </a:p>
-        </p:txBody>
-      </p:sp>
-      <p:sp>
-        <p:nvSpPr>
-          <p:cNvPr id="3" name="Объект 2"/>
-          <p:cNvSpPr>
-            <a:spLocks noGrp="1"/>
-          </p:cNvSpPr>
-          <p:nvPr>
-            <p:ph idx="1"/>
-          </p:nvPr>
-        </p:nvSpPr>
-        <p:spPr>
-          <a:xfrm>
-            <a:off x="83128" y="1825625"/>
-            <a:ext cx="8794866" cy="4550237"/>
-          </a:xfrm>
-        </p:spPr>
-        <p:txBody>
-          <a:bodyPr>
-            <a:normAutofit/>
-          </a:bodyPr>
-          <a:lstStyle/>
-          <a:p>
-            <a:pPr lvl="0"/>
-            <a:r>
-              <a:rPr lang="en-US" sz="3200" dirty="0" err="1"/>
-              <a:t>Интерактивность</a:t>
-            </a:r>
-            <a:r>
-              <a:rPr lang="en-US" sz="3200" dirty="0"/>
-              <a:t>: </a:t>
-            </a:r>
-            <a:r>
-              <a:rPr lang="en-US" sz="3200" dirty="0" err="1"/>
-              <a:t>удобно</a:t>
-            </a:r>
-            <a:r>
-              <a:rPr lang="en-US" sz="3200" dirty="0"/>
-              <a:t> </a:t>
-            </a:r>
-            <a:r>
-              <a:rPr lang="en-US" sz="3200" dirty="0" err="1"/>
-              <a:t>запускать</a:t>
-            </a:r>
-            <a:r>
-              <a:rPr lang="en-US" sz="3200" dirty="0"/>
-              <a:t> </a:t>
-            </a:r>
-            <a:r>
-              <a:rPr lang="en-US" sz="3200" dirty="0" err="1"/>
-              <a:t>тесты</a:t>
-            </a:r>
-            <a:r>
-              <a:rPr lang="en-US" sz="3200" dirty="0"/>
-              <a:t> </a:t>
-            </a:r>
-            <a:r>
-              <a:rPr lang="en-US" sz="3200" dirty="0" err="1"/>
-              <a:t>прямо</a:t>
-            </a:r>
-            <a:r>
-              <a:rPr lang="en-US" sz="3200" dirty="0"/>
-              <a:t> с </a:t>
-            </a:r>
-            <a:r>
-              <a:rPr lang="en-US" sz="3200" dirty="0" err="1"/>
-              <a:t>телефона</a:t>
-            </a:r>
-            <a:endParaRPr lang="ru-RU" sz="3200" dirty="0"/>
-          </a:p>
-          <a:p>
-            <a:pPr lvl="0"/>
-            <a:r>
-              <a:rPr lang="en-US" sz="3200" dirty="0" err="1"/>
-              <a:t>Автоматизация</a:t>
-            </a:r>
-            <a:r>
-              <a:rPr lang="en-US" sz="3200" dirty="0"/>
-              <a:t>: </a:t>
-            </a:r>
-            <a:r>
-              <a:rPr lang="en-US" sz="3200" dirty="0" err="1"/>
-              <a:t>бот</a:t>
-            </a:r>
-            <a:r>
-              <a:rPr lang="en-US" sz="3200" dirty="0"/>
-              <a:t> </a:t>
-            </a:r>
-            <a:r>
-              <a:rPr lang="en-US" sz="3200" dirty="0" err="1"/>
-              <a:t>сам</a:t>
-            </a:r>
-            <a:r>
-              <a:rPr lang="en-US" sz="3200" dirty="0"/>
-              <a:t> </a:t>
-            </a:r>
-            <a:r>
-              <a:rPr lang="en-US" sz="3200" dirty="0" err="1"/>
-              <a:t>собирает</a:t>
-            </a:r>
-            <a:r>
-              <a:rPr lang="en-US" sz="3200" dirty="0"/>
-              <a:t> </a:t>
-            </a:r>
-            <a:r>
-              <a:rPr lang="en-US" sz="3200" dirty="0" err="1"/>
-              <a:t>метрики</a:t>
-            </a:r>
-            <a:r>
-              <a:rPr lang="en-US" sz="3200" dirty="0"/>
-              <a:t> и </a:t>
-            </a:r>
-            <a:r>
-              <a:rPr lang="en-US" sz="3200" dirty="0" err="1"/>
-              <a:t>строит</a:t>
-            </a:r>
-            <a:r>
-              <a:rPr lang="en-US" sz="3200" dirty="0"/>
-              <a:t> </a:t>
-            </a:r>
-            <a:r>
-              <a:rPr lang="en-US" sz="3200" dirty="0" err="1"/>
-              <a:t>графики</a:t>
-            </a:r>
-            <a:endParaRPr lang="ru-RU" sz="3200" dirty="0"/>
-          </a:p>
-          <a:p>
-            <a:pPr lvl="0"/>
-            <a:r>
-              <a:rPr lang="en-US" sz="3200" dirty="0" err="1"/>
-              <a:t>Образовательная</a:t>
-            </a:r>
-            <a:r>
-              <a:rPr lang="en-US" sz="3200" dirty="0"/>
-              <a:t> </a:t>
-            </a:r>
-            <a:r>
-              <a:rPr lang="en-US" sz="3200" dirty="0" err="1"/>
-              <a:t>цель</a:t>
-            </a:r>
-            <a:r>
-              <a:rPr lang="en-US" sz="3200" dirty="0"/>
-              <a:t>: </a:t>
-            </a:r>
-            <a:r>
-              <a:rPr lang="en-US" sz="3200" dirty="0" err="1"/>
-              <a:t>помочь</a:t>
-            </a:r>
-            <a:r>
-              <a:rPr lang="en-US" sz="3200" dirty="0"/>
-              <a:t> </a:t>
-            </a:r>
-            <a:r>
-              <a:rPr lang="en-US" sz="3200" dirty="0" err="1"/>
-              <a:t>другим</a:t>
-            </a:r>
-            <a:r>
-              <a:rPr lang="en-US" sz="3200" dirty="0"/>
-              <a:t> </a:t>
-            </a:r>
-            <a:r>
-              <a:rPr lang="en-US" sz="3200" dirty="0" err="1"/>
-              <a:t>понять</a:t>
-            </a:r>
-            <a:r>
-              <a:rPr lang="en-US" sz="3200" dirty="0"/>
-              <a:t>, </a:t>
-            </a:r>
-            <a:r>
-              <a:rPr lang="en-US" sz="3200" dirty="0" err="1"/>
-              <a:t>как</a:t>
-            </a:r>
-            <a:r>
-              <a:rPr lang="en-US" sz="3200" dirty="0"/>
-              <a:t> </a:t>
-            </a:r>
-            <a:r>
-              <a:rPr lang="en-US" sz="3200" dirty="0" err="1"/>
-              <a:t>работают</a:t>
-            </a:r>
-            <a:r>
-              <a:rPr lang="en-US" sz="3200" dirty="0"/>
-              <a:t> </a:t>
-            </a:r>
-            <a:r>
-              <a:rPr lang="en-US" sz="3200" dirty="0" err="1"/>
-              <a:t>деревья</a:t>
-            </a:r>
-            <a:r>
-              <a:rPr lang="en-US" sz="3200" dirty="0"/>
-              <a:t> </a:t>
-            </a:r>
-            <a:r>
-              <a:rPr lang="en-US" sz="3200" dirty="0" err="1"/>
-              <a:t>на</a:t>
-            </a:r>
-            <a:r>
-              <a:rPr lang="en-US" sz="3200" dirty="0"/>
-              <a:t> </a:t>
-            </a:r>
-            <a:r>
-              <a:rPr lang="en-US" sz="3200" dirty="0" err="1"/>
-              <a:t>практике</a:t>
-            </a:r>
-            <a:endParaRPr lang="ru-RU" sz="3200" dirty="0"/>
-          </a:p>
-          <a:p>
-            <a:r>
-              <a:rPr lang="en-US" sz="3200" dirty="0" err="1"/>
-              <a:t>Практическая</a:t>
-            </a:r>
-            <a:r>
-              <a:rPr lang="en-US" sz="3200" dirty="0"/>
-              <a:t> </a:t>
-            </a:r>
-            <a:r>
-              <a:rPr lang="en-US" sz="3200" dirty="0" err="1"/>
-              <a:t>цель</a:t>
-            </a:r>
-            <a:r>
-              <a:rPr lang="en-US" sz="3200" dirty="0"/>
-              <a:t>: </a:t>
-            </a:r>
-            <a:r>
-              <a:rPr lang="en-US" sz="3200" dirty="0" err="1"/>
-              <a:t>сравнить</a:t>
-            </a:r>
-            <a:r>
-              <a:rPr lang="en-US" sz="3200" dirty="0"/>
-              <a:t> </a:t>
-            </a:r>
-            <a:r>
-              <a:rPr lang="en-US" sz="3200" dirty="0" err="1"/>
-              <a:t>поведение</a:t>
-            </a:r>
-            <a:r>
-              <a:rPr lang="en-US" sz="3200" dirty="0"/>
-              <a:t> 3 </a:t>
-            </a:r>
-            <a:r>
-              <a:rPr lang="en-US" sz="3200" dirty="0" err="1"/>
-              <a:t>структур</a:t>
-            </a:r>
-            <a:r>
-              <a:rPr lang="en-US" sz="3200" dirty="0"/>
-              <a:t> </a:t>
-            </a:r>
-            <a:r>
-              <a:rPr lang="en-US" sz="3200" dirty="0" err="1"/>
-              <a:t>на</a:t>
-            </a:r>
-            <a:r>
-              <a:rPr lang="en-US" sz="3200" dirty="0"/>
-              <a:t> </a:t>
-            </a:r>
-            <a:r>
-              <a:rPr lang="en-US" sz="3200" dirty="0" err="1"/>
-              <a:t>больших</a:t>
-            </a:r>
-            <a:r>
-              <a:rPr lang="en-US" sz="3200" dirty="0"/>
-              <a:t> </a:t>
-            </a:r>
-            <a:r>
-              <a:rPr lang="en-US" sz="3200" dirty="0" err="1"/>
-              <a:t>данных</a:t>
-            </a:r>
-            <a:endParaRPr lang="ru-RU" sz="3200" dirty="0"/>
-          </a:p>
-        </p:txBody>
-      </p:sp>
-      <p:pic>
-        <p:nvPicPr>
-          <p:cNvPr id="4" name="Рисунок 3"/>
-          <p:cNvPicPr>
-            <a:picLocks noChangeAspect="1"/>
-          </p:cNvPicPr>
-          <p:nvPr/>
-        </p:nvPicPr>
-        <p:blipFill>
-          <a:blip r:embed="rId2" cstate="print">
-            <a:extLst>
-              <a:ext uri="{28A0092B-C50C-407E-A947-70E740481C1C}">
-                <a14:useLocalDpi xmlns:a14="http://schemas.microsoft.com/office/drawing/2010/main" val="0"/>
-              </a:ext>
-            </a:extLst>
-          </a:blip>
-          <a:stretch>
-            <a:fillRect/>
-          </a:stretch>
-        </p:blipFill>
-        <p:spPr>
-          <a:xfrm rot="803950">
-            <a:off x="9554593" y="2571851"/>
-            <a:ext cx="2219126" cy="2293096"/>
-          </a:xfrm>
-          <a:prstGeom prst="rect">
-            <a:avLst/>
-          </a:prstGeom>
-        </p:spPr>
-      </p:pic>
-    </p:spTree>
-    <p:extLst>
-      <p:ext uri="{BB962C8B-B14F-4D97-AF65-F5344CB8AC3E}">
-        <p14:creationId xmlns:p14="http://schemas.microsoft.com/office/powerpoint/2010/main" val="3623307931"/>
-      </p:ext>
-    </p:extLst>
-  </p:cSld>
-  <p:clrMapOvr>
-    <a:masterClrMapping/>
-  </p:clrMapOvr>
-  <p:timing>
-    <p:tnLst>
-      <p:par>
-        <p:cTn id="1" dur="indefinite" restart="never" nodeType="tmRoot"/>
-      </p:par>
-    </p:tnLst>
-  </p:timing>
-</p:sld>
-</file>
-
-<file path=ppt/slides/slide5.xml><?xml version="1.0" encoding="utf-8"?>
-<p:sld xmlns:a="http://schemas.openxmlformats.org/drawingml/2006/main" xmlns:r="http://schemas.openxmlformats.org/officeDocument/2006/relationships" xmlns:p="http://schemas.openxmlformats.org/presentationml/2006/main">
-  <p:cSld>
-    <p:spTree>
-      <p:nvGrpSpPr>
-        <p:cNvPr id="1" name=""/>
-        <p:cNvGrpSpPr/>
-        <p:nvPr/>
-      </p:nvGrpSpPr>
-      <p:grpSpPr>
-        <a:xfrm>
-          <a:off x="0" y="0"/>
-          <a:ext cx="0" cy="0"/>
-          <a:chOff x="0" y="0"/>
-          <a:chExt cx="0" cy="0"/>
-        </a:xfrm>
-      </p:grpSpPr>
-      <p:sp>
-        <p:nvSpPr>
-          <p:cNvPr id="2" name="Заголовок 1"/>
-          <p:cNvSpPr>
-            <a:spLocks noGrp="1"/>
-          </p:cNvSpPr>
-          <p:nvPr>
-            <p:ph type="title"/>
-          </p:nvPr>
-        </p:nvSpPr>
         <p:spPr>
           <a:xfrm>
             <a:off x="183564" y="74180"/>
@@ -5911,14 +5364,11 @@
           <a:p>
             <a:pPr algn="ctr"/>
             <a:r>
-              <a:rPr lang="ru-RU" sz="4800" b="1" dirty="0" smtClean="0">
+              <a:rPr lang="ru-RU" sz="4800" b="1" dirty="0">
                 <a:latin typeface="+mn-lt"/>
               </a:rPr>
               <a:t>Коротко о трёх деревьях:</a:t>
             </a:r>
-            <a:endParaRPr lang="ru-RU" sz="4800" b="1" dirty="0">
-              <a:latin typeface="+mn-lt"/>
-            </a:endParaRPr>
           </a:p>
         </p:txBody>
       </p:sp>
@@ -6377,13 +5827,373 @@
   <p:clrMapOvr>
     <a:masterClrMapping/>
   </p:clrMapOvr>
-  <p:timing>
-    <p:tnLst>
-      <p:par>
-        <p:cTn id="1" dur="indefinite" restart="never" nodeType="tmRoot"/>
-      </p:par>
-    </p:tnLst>
-  </p:timing>
+</p:sld>
+</file>
+
+<file path=ppt/slides/slide5.xml><?xml version="1.0" encoding="utf-8"?>
+<p:sld xmlns:a="http://schemas.openxmlformats.org/drawingml/2006/main" xmlns:r="http://schemas.openxmlformats.org/officeDocument/2006/relationships" xmlns:p="http://schemas.openxmlformats.org/presentationml/2006/main">
+  <p:cSld>
+    <p:spTree>
+      <p:nvGrpSpPr>
+        <p:cNvPr id="1" name=""/>
+        <p:cNvGrpSpPr/>
+        <p:nvPr/>
+      </p:nvGrpSpPr>
+      <p:grpSpPr>
+        <a:xfrm>
+          <a:off x="0" y="0"/>
+          <a:ext cx="0" cy="0"/>
+          <a:chOff x="0" y="0"/>
+          <a:chExt cx="0" cy="0"/>
+        </a:xfrm>
+      </p:grpSpPr>
+      <p:sp>
+        <p:nvSpPr>
+          <p:cNvPr id="2" name="Заголовок 1"/>
+          <p:cNvSpPr>
+            <a:spLocks noGrp="1"/>
+          </p:cNvSpPr>
+          <p:nvPr>
+            <p:ph type="title"/>
+          </p:nvPr>
+        </p:nvSpPr>
+        <p:spPr/>
+        <p:txBody>
+          <a:bodyPr/>
+          <a:lstStyle/>
+          <a:p>
+            <a:pPr algn="ctr"/>
+            <a:r>
+              <a:rPr lang="ru-RU" b="1" dirty="0">
+                <a:latin typeface="+mn-lt"/>
+              </a:rPr>
+              <a:t>Почему мы решили сделать </a:t>
+            </a:r>
+            <a:r>
+              <a:rPr lang="en-US" b="1" dirty="0">
+                <a:latin typeface="+mn-lt"/>
+              </a:rPr>
+              <a:t>Telegram </a:t>
+            </a:r>
+            <a:r>
+              <a:rPr lang="ru-RU" b="1" dirty="0">
+                <a:latin typeface="+mn-lt"/>
+              </a:rPr>
+              <a:t>бота:</a:t>
+            </a:r>
+          </a:p>
+        </p:txBody>
+      </p:sp>
+      <p:sp>
+        <p:nvSpPr>
+          <p:cNvPr id="3" name="Объект 2"/>
+          <p:cNvSpPr>
+            <a:spLocks noGrp="1"/>
+          </p:cNvSpPr>
+          <p:nvPr>
+            <p:ph idx="1"/>
+          </p:nvPr>
+        </p:nvSpPr>
+        <p:spPr>
+          <a:xfrm>
+            <a:off x="83128" y="1825625"/>
+            <a:ext cx="8794866" cy="4550237"/>
+          </a:xfrm>
+        </p:spPr>
+        <p:txBody>
+          <a:bodyPr>
+            <a:normAutofit/>
+          </a:bodyPr>
+          <a:lstStyle/>
+          <a:p>
+            <a:pPr lvl="0"/>
+            <a:r>
+              <a:rPr lang="en-US" sz="3200" dirty="0" err="1"/>
+              <a:t>Интерактивность</a:t>
+            </a:r>
+            <a:r>
+              <a:rPr lang="en-US" sz="3200" dirty="0"/>
+              <a:t>: </a:t>
+            </a:r>
+            <a:r>
+              <a:rPr lang="en-US" sz="3200" dirty="0" err="1"/>
+              <a:t>удобно</a:t>
+            </a:r>
+            <a:r>
+              <a:rPr lang="en-US" sz="3200" dirty="0"/>
+              <a:t> </a:t>
+            </a:r>
+            <a:r>
+              <a:rPr lang="en-US" sz="3200" dirty="0" err="1"/>
+              <a:t>запускать</a:t>
+            </a:r>
+            <a:r>
+              <a:rPr lang="en-US" sz="3200" dirty="0"/>
+              <a:t> </a:t>
+            </a:r>
+            <a:r>
+              <a:rPr lang="en-US" sz="3200" dirty="0" err="1"/>
+              <a:t>тесты</a:t>
+            </a:r>
+            <a:r>
+              <a:rPr lang="en-US" sz="3200" dirty="0"/>
+              <a:t> </a:t>
+            </a:r>
+            <a:r>
+              <a:rPr lang="en-US" sz="3200" dirty="0" err="1"/>
+              <a:t>прямо</a:t>
+            </a:r>
+            <a:r>
+              <a:rPr lang="en-US" sz="3200" dirty="0"/>
+              <a:t> с </a:t>
+            </a:r>
+            <a:r>
+              <a:rPr lang="en-US" sz="3200" dirty="0" err="1"/>
+              <a:t>телефона</a:t>
+            </a:r>
+            <a:endParaRPr lang="ru-RU" sz="3200" dirty="0"/>
+          </a:p>
+          <a:p>
+            <a:pPr lvl="0"/>
+            <a:r>
+              <a:rPr lang="en-US" sz="3200" dirty="0" err="1"/>
+              <a:t>Автоматизация</a:t>
+            </a:r>
+            <a:r>
+              <a:rPr lang="en-US" sz="3200" dirty="0"/>
+              <a:t>: </a:t>
+            </a:r>
+            <a:r>
+              <a:rPr lang="en-US" sz="3200" dirty="0" err="1"/>
+              <a:t>бот</a:t>
+            </a:r>
+            <a:r>
+              <a:rPr lang="en-US" sz="3200" dirty="0"/>
+              <a:t> </a:t>
+            </a:r>
+            <a:r>
+              <a:rPr lang="en-US" sz="3200" dirty="0" err="1"/>
+              <a:t>сам</a:t>
+            </a:r>
+            <a:r>
+              <a:rPr lang="en-US" sz="3200" dirty="0"/>
+              <a:t> </a:t>
+            </a:r>
+            <a:r>
+              <a:rPr lang="en-US" sz="3200" dirty="0" err="1"/>
+              <a:t>собирает</a:t>
+            </a:r>
+            <a:r>
+              <a:rPr lang="en-US" sz="3200" dirty="0"/>
+              <a:t> </a:t>
+            </a:r>
+            <a:r>
+              <a:rPr lang="en-US" sz="3200" dirty="0" err="1"/>
+              <a:t>метрики</a:t>
+            </a:r>
+            <a:r>
+              <a:rPr lang="en-US" sz="3200" dirty="0"/>
+              <a:t> и </a:t>
+            </a:r>
+            <a:r>
+              <a:rPr lang="en-US" sz="3200" dirty="0" err="1"/>
+              <a:t>строит</a:t>
+            </a:r>
+            <a:r>
+              <a:rPr lang="en-US" sz="3200" dirty="0"/>
+              <a:t> </a:t>
+            </a:r>
+            <a:r>
+              <a:rPr lang="en-US" sz="3200" dirty="0" err="1"/>
+              <a:t>графики</a:t>
+            </a:r>
+            <a:endParaRPr lang="ru-RU" sz="3200" dirty="0"/>
+          </a:p>
+          <a:p>
+            <a:pPr lvl="0"/>
+            <a:r>
+              <a:rPr lang="en-US" sz="3200" dirty="0" err="1"/>
+              <a:t>Образовательная</a:t>
+            </a:r>
+            <a:r>
+              <a:rPr lang="en-US" sz="3200" dirty="0"/>
+              <a:t> </a:t>
+            </a:r>
+            <a:r>
+              <a:rPr lang="en-US" sz="3200" dirty="0" err="1"/>
+              <a:t>цель</a:t>
+            </a:r>
+            <a:r>
+              <a:rPr lang="en-US" sz="3200" dirty="0"/>
+              <a:t>: </a:t>
+            </a:r>
+            <a:r>
+              <a:rPr lang="en-US" sz="3200" dirty="0" err="1"/>
+              <a:t>помочь</a:t>
+            </a:r>
+            <a:r>
+              <a:rPr lang="en-US" sz="3200" dirty="0"/>
+              <a:t> </a:t>
+            </a:r>
+            <a:r>
+              <a:rPr lang="en-US" sz="3200" dirty="0" err="1"/>
+              <a:t>другим</a:t>
+            </a:r>
+            <a:r>
+              <a:rPr lang="en-US" sz="3200" dirty="0"/>
+              <a:t> </a:t>
+            </a:r>
+            <a:r>
+              <a:rPr lang="en-US" sz="3200" dirty="0" err="1"/>
+              <a:t>понять</a:t>
+            </a:r>
+            <a:r>
+              <a:rPr lang="en-US" sz="3200" dirty="0"/>
+              <a:t>, </a:t>
+            </a:r>
+            <a:r>
+              <a:rPr lang="en-US" sz="3200" dirty="0" err="1"/>
+              <a:t>как</a:t>
+            </a:r>
+            <a:r>
+              <a:rPr lang="en-US" sz="3200" dirty="0"/>
+              <a:t> </a:t>
+            </a:r>
+            <a:r>
+              <a:rPr lang="en-US" sz="3200" dirty="0" err="1"/>
+              <a:t>работают</a:t>
+            </a:r>
+            <a:r>
+              <a:rPr lang="en-US" sz="3200" dirty="0"/>
+              <a:t> </a:t>
+            </a:r>
+            <a:r>
+              <a:rPr lang="en-US" sz="3200" dirty="0" err="1"/>
+              <a:t>деревья</a:t>
+            </a:r>
+            <a:r>
+              <a:rPr lang="en-US" sz="3200" dirty="0"/>
+              <a:t> </a:t>
+            </a:r>
+            <a:r>
+              <a:rPr lang="en-US" sz="3200" dirty="0" err="1"/>
+              <a:t>на</a:t>
+            </a:r>
+            <a:r>
+              <a:rPr lang="en-US" sz="3200" dirty="0"/>
+              <a:t> </a:t>
+            </a:r>
+            <a:r>
+              <a:rPr lang="en-US" sz="3200" dirty="0" err="1"/>
+              <a:t>практике</a:t>
+            </a:r>
+            <a:endParaRPr lang="ru-RU" sz="3200" dirty="0"/>
+          </a:p>
+          <a:p>
+            <a:r>
+              <a:rPr lang="en-US" sz="3200" dirty="0" err="1"/>
+              <a:t>Практическая</a:t>
+            </a:r>
+            <a:r>
+              <a:rPr lang="en-US" sz="3200" dirty="0"/>
+              <a:t> </a:t>
+            </a:r>
+            <a:r>
+              <a:rPr lang="en-US" sz="3200" dirty="0" err="1"/>
+              <a:t>цель</a:t>
+            </a:r>
+            <a:r>
+              <a:rPr lang="en-US" sz="3200" dirty="0"/>
+              <a:t>: </a:t>
+            </a:r>
+            <a:r>
+              <a:rPr lang="en-US" sz="3200" dirty="0" err="1"/>
+              <a:t>сравнить</a:t>
+            </a:r>
+            <a:r>
+              <a:rPr lang="en-US" sz="3200" dirty="0"/>
+              <a:t> </a:t>
+            </a:r>
+            <a:r>
+              <a:rPr lang="en-US" sz="3200" dirty="0" err="1"/>
+              <a:t>поведение</a:t>
+            </a:r>
+            <a:r>
+              <a:rPr lang="en-US" sz="3200" dirty="0"/>
+              <a:t> 3 </a:t>
+            </a:r>
+            <a:r>
+              <a:rPr lang="en-US" sz="3200" dirty="0" err="1"/>
+              <a:t>структур</a:t>
+            </a:r>
+            <a:r>
+              <a:rPr lang="en-US" sz="3200" dirty="0"/>
+              <a:t> </a:t>
+            </a:r>
+            <a:r>
+              <a:rPr lang="en-US" sz="3200" dirty="0" err="1"/>
+              <a:t>на</a:t>
+            </a:r>
+            <a:r>
+              <a:rPr lang="en-US" sz="3200" dirty="0"/>
+              <a:t> </a:t>
+            </a:r>
+            <a:r>
+              <a:rPr lang="en-US" sz="3200" dirty="0" err="1"/>
+              <a:t>больших</a:t>
+            </a:r>
+            <a:r>
+              <a:rPr lang="en-US" sz="3200" dirty="0"/>
+              <a:t> </a:t>
+            </a:r>
+            <a:r>
+              <a:rPr lang="en-US" sz="3200" dirty="0" err="1"/>
+              <a:t>данных</a:t>
+            </a:r>
+            <a:endParaRPr lang="ru-RU" sz="3200" dirty="0"/>
+          </a:p>
+        </p:txBody>
+      </p:sp>
+      <p:pic>
+        <p:nvPicPr>
+          <p:cNvPr id="4" name="Рисунок 3"/>
+          <p:cNvPicPr>
+            <a:picLocks noChangeAspect="1"/>
+          </p:cNvPicPr>
+          <p:nvPr/>
+        </p:nvPicPr>
+        <p:blipFill>
+          <a:blip r:embed="rId2" cstate="print">
+            <a:extLst>
+              <a:ext uri="{28A0092B-C50C-407E-A947-70E740481C1C}">
+                <a14:useLocalDpi xmlns:a14="http://schemas.microsoft.com/office/drawing/2010/main" val="0"/>
+              </a:ext>
+            </a:extLst>
+          </a:blip>
+          <a:stretch>
+            <a:fillRect/>
+          </a:stretch>
+        </p:blipFill>
+        <p:spPr>
+          <a:xfrm rot="803950">
+            <a:off x="9554593" y="2571851"/>
+            <a:ext cx="2219126" cy="2293096"/>
+          </a:xfrm>
+          <a:prstGeom prst="rect">
+            <a:avLst/>
+          </a:prstGeom>
+        </p:spPr>
+      </p:pic>
+    </p:spTree>
+    <p:extLst>
+      <p:ext uri="{BB962C8B-B14F-4D97-AF65-F5344CB8AC3E}">
+        <p14:creationId xmlns:p14="http://schemas.microsoft.com/office/powerpoint/2010/main" val="3623307931"/>
+      </p:ext>
+    </p:extLst>
+  </p:cSld>
+  <p:clrMapOvr>
+    <a:masterClrMapping/>
+  </p:clrMapOvr>
 </p:sld>
 </file>
 
@@ -6435,13 +6245,13 @@
               <a:t> </a:t>
             </a:r>
             <a:r>
-              <a:rPr lang="en-US" sz="5400" b="1" dirty="0" err="1" smtClean="0">
+              <a:rPr lang="en-US" sz="5400" b="1" dirty="0" err="1">
                 <a:latin typeface="+mn-lt"/>
               </a:rPr>
               <a:t>использовалось</a:t>
             </a:r>
             <a:r>
-              <a:rPr lang="en-US" sz="5400" b="1" dirty="0" smtClean="0">
+              <a:rPr lang="en-US" sz="5400" b="1" dirty="0">
                 <a:latin typeface="+mn-lt"/>
               </a:rPr>
               <a:t>:</a:t>
@@ -6668,13 +6478,6 @@
   <p:clrMapOvr>
     <a:masterClrMapping/>
   </p:clrMapOvr>
-  <p:timing>
-    <p:tnLst>
-      <p:par>
-        <p:cTn id="1" dur="indefinite" restart="never" nodeType="tmRoot"/>
-      </p:par>
-    </p:tnLst>
-  </p:timing>
 </p:sld>
 </file>
 
@@ -6789,12 +6592,6 @@
                 <a:latin typeface="+mn-lt"/>
               </a:rPr>
               <a:t>:</a:t>
-            </a:r>
-            <a:r>
-              <a:rPr lang="ru-RU" sz="4000" dirty="0">
-                <a:latin typeface="+mn-lt"/>
-              </a:rPr>
-              <a:t/>
             </a:r>
             <a:br>
               <a:rPr lang="ru-RU" sz="4000" dirty="0">
@@ -7016,13 +6813,6 @@
   <p:clrMapOvr>
     <a:masterClrMapping/>
   </p:clrMapOvr>
-  <p:timing>
-    <p:tnLst>
-      <p:par>
-        <p:cTn id="1" dur="indefinite" restart="never" nodeType="tmRoot"/>
-      </p:par>
-    </p:tnLst>
-  </p:timing>
 </p:sld>
 </file>
 
@@ -7067,14 +6857,11 @@
           <a:p>
             <a:pPr algn="ctr"/>
             <a:r>
-              <a:rPr lang="ru-RU" sz="5400" b="1" dirty="0" smtClean="0">
+              <a:rPr lang="ru-RU" sz="5400" b="1" dirty="0">
                 <a:latin typeface="+mn-lt"/>
               </a:rPr>
               <a:t>Доступные режимы генерации:</a:t>
             </a:r>
-            <a:endParaRPr lang="ru-RU" sz="5400" b="1" dirty="0">
-              <a:latin typeface="+mn-lt"/>
-            </a:endParaRPr>
           </a:p>
         </p:txBody>
       </p:sp>
@@ -7192,7 +6979,7 @@
             <a:endParaRPr lang="ru-RU" sz="3600" dirty="0"/>
           </a:p>
           <a:p>
-            <a:endParaRPr lang="ru-RU" sz="3600" dirty="0" smtClean="0"/>
+            <a:endParaRPr lang="ru-RU" sz="3600" dirty="0"/>
           </a:p>
           <a:p>
             <a:pPr marL="0" indent="0">
@@ -7296,13 +7083,6 @@
   <p:clrMapOvr>
     <a:masterClrMapping/>
   </p:clrMapOvr>
-  <p:timing>
-    <p:tnLst>
-      <p:par>
-        <p:cTn id="1" dur="indefinite" restart="never" nodeType="tmRoot"/>
-      </p:par>
-    </p:tnLst>
-  </p:timing>
 </p:sld>
 </file>
 
@@ -7388,12 +7168,6 @@
                 <a:latin typeface="+mn-lt"/>
               </a:rPr>
               <a:t>:</a:t>
-            </a:r>
-            <a:r>
-              <a:rPr lang="ru-RU" sz="4800" dirty="0">
-                <a:latin typeface="+mn-lt"/>
-              </a:rPr>
-              <a:t/>
             </a:r>
             <a:br>
               <a:rPr lang="ru-RU" sz="4800" dirty="0">
@@ -7645,13 +7419,6 @@
   <p:clrMapOvr>
     <a:masterClrMapping/>
   </p:clrMapOvr>
-  <p:timing>
-    <p:tnLst>
-      <p:par>
-        <p:cTn id="1" dur="indefinite" restart="never" nodeType="tmRoot"/>
-      </p:par>
-    </p:tnLst>
-  </p:timing>
 </p:sld>
 </file>
 
